--- a/Solution_Assessment_Cursor_AI_Capabilities_Integration_Review_Trainer_45min.pptx
+++ b/Solution_Assessment_Cursor_AI_Capabilities_Integration_Review_Trainer_45min.pptx
@@ -20,6 +20,7 @@
     <p:sldId id="268" r:id="rId19"/>
     <p:sldId id="269" r:id="rId20"/>
     <p:sldId id="270" r:id="rId21"/>
+    <p:sldId id="271" r:id="rId22"/>
   </p:sldIdLst>
   <p:sldSz cx="12191695" cy="6858000" type="screen4x3"/>
   <p:notesSz cx="6858000" cy="9144000"/>
@@ -4312,6 +4313,497 @@
 </file>
 
 <file path=ppt/slides/slide15.xml><?xml version="1.0" encoding="utf-8"?>
+<p:sld xmlns:a="http://schemas.openxmlformats.org/drawingml/2006/main" xmlns:p="http://schemas.openxmlformats.org/presentationml/2006/main" xmlns:r="http://schemas.openxmlformats.org/officeDocument/2006/relationships">
+  <p:cSld>
+    <p:spTree>
+      <p:nvGrpSpPr>
+        <p:cNvPr id="1" name=""/>
+        <p:cNvGrpSpPr/>
+        <p:nvPr/>
+      </p:nvGrpSpPr>
+      <p:grpSpPr/>
+      <p:sp>
+        <p:nvSpPr>
+          <p:cNvPr id="2" name="TextBox 1"/>
+          <p:cNvSpPr txBox="1"/>
+          <p:nvPr/>
+        </p:nvSpPr>
+        <p:spPr>
+          <a:xfrm>
+            <a:off x="411480" y="146304"/>
+            <a:ext cx="11155680" cy="658368"/>
+          </a:xfrm>
+          <a:prstGeom prst="rect">
+            <a:avLst/>
+          </a:prstGeom>
+          <a:noFill/>
+        </p:spPr>
+        <p:txBody>
+          <a:bodyPr wrap="none">
+            <a:spAutoFit/>
+          </a:bodyPr>
+          <a:lstStyle/>
+          <a:p>
+            <a:pPr algn="l"/>
+            <a:r>
+              <a:rPr sz="3400" b="1">
+                <a:solidFill>
+                  <a:srgbClr val="14284A"/>
+                </a:solidFill>
+              </a:rPr>
+              <a:t>Recommended video links (share as homework)</a:t>
+            </a:r>
+          </a:p>
+        </p:txBody>
+      </p:sp>
+      <p:sp>
+        <p:nvSpPr>
+          <p:cNvPr id="3" name="TextBox 2"/>
+          <p:cNvSpPr txBox="1"/>
+          <p:nvPr/>
+        </p:nvSpPr>
+        <p:spPr>
+          <a:xfrm>
+            <a:off x="438912" y="749808"/>
+            <a:ext cx="11155680" cy="420624"/>
+          </a:xfrm>
+          <a:prstGeom prst="rect">
+            <a:avLst/>
+          </a:prstGeom>
+          <a:noFill/>
+        </p:spPr>
+        <p:txBody>
+          <a:bodyPr wrap="none">
+            <a:spAutoFit/>
+          </a:bodyPr>
+          <a:lstStyle/>
+          <a:p>
+            <a:r>
+              <a:rPr sz="1800">
+                <a:solidFill>
+                  <a:srgbClr val="445678"/>
+                </a:solidFill>
+              </a:rPr>
+              <a:t>Use these links to support practice after the 45-minute session.</a:t>
+            </a:r>
+          </a:p>
+        </p:txBody>
+      </p:sp>
+      <p:sp>
+        <p:nvSpPr>
+          <p:cNvPr id="4" name="TextBox 3"/>
+          <p:cNvSpPr txBox="1"/>
+          <p:nvPr/>
+        </p:nvSpPr>
+        <p:spPr>
+          <a:xfrm>
+            <a:off x="502920" y="1417320"/>
+            <a:ext cx="5577840" cy="5257800"/>
+          </a:xfrm>
+          <a:prstGeom prst="rect">
+            <a:avLst/>
+          </a:prstGeom>
+          <a:noFill/>
+        </p:spPr>
+        <p:txBody>
+          <a:bodyPr wrap="square">
+            <a:spAutoFit/>
+          </a:bodyPr>
+          <a:lstStyle/>
+          <a:p>
+            <a:pPr>
+              <a:spcAft>
+                <a:spcPts val="0"/>
+              </a:spcAft>
+              <a:defRPr sz="1700" b="1">
+                <a:solidFill>
+                  <a:srgbClr val="203458"/>
+                </a:solidFill>
+              </a:defRPr>
+            </a:pPr>
+            <a:r>
+              <a:t>1. Cursor AI beginner tutorial</a:t>
+            </a:r>
+          </a:p>
+          <a:p>
+            <a:pPr>
+              <a:spcAft>
+                <a:spcPts val="800"/>
+              </a:spcAft>
+              <a:defRPr sz="1200">
+                <a:solidFill>
+                  <a:srgbClr val="1858AB"/>
+                </a:solidFill>
+              </a:defRPr>
+            </a:pPr>
+            <a:r>
+              <a:t>https://www.youtube.com/results?search_query=Cursor+AI+beginner+tutorial</a:t>
+            </a:r>
+          </a:p>
+          <a:p>
+            <a:pPr>
+              <a:spcAft>
+                <a:spcPts val="0"/>
+              </a:spcAft>
+              <a:defRPr sz="1700" b="1">
+                <a:solidFill>
+                  <a:srgbClr val="203458"/>
+                </a:solidFill>
+              </a:defRPr>
+            </a:pPr>
+            <a:r>
+              <a:t>2. Cursor MCP setup tutorial</a:t>
+            </a:r>
+          </a:p>
+          <a:p>
+            <a:pPr>
+              <a:spcAft>
+                <a:spcPts val="800"/>
+              </a:spcAft>
+              <a:defRPr sz="1200">
+                <a:solidFill>
+                  <a:srgbClr val="1858AB"/>
+                </a:solidFill>
+              </a:defRPr>
+            </a:pPr>
+            <a:r>
+              <a:t>https://www.youtube.com/results?search_query=Cursor+MCP+setup+tutorial</a:t>
+            </a:r>
+          </a:p>
+          <a:p>
+            <a:pPr>
+              <a:spcAft>
+                <a:spcPts val="0"/>
+              </a:spcAft>
+              <a:defRPr sz="1700" b="1">
+                <a:solidFill>
+                  <a:srgbClr val="203458"/>
+                </a:solidFill>
+              </a:defRPr>
+            </a:pPr>
+            <a:r>
+              <a:t>3. Model Context Protocol explained</a:t>
+            </a:r>
+          </a:p>
+          <a:p>
+            <a:pPr>
+              <a:spcAft>
+                <a:spcPts val="800"/>
+              </a:spcAft>
+              <a:defRPr sz="1200">
+                <a:solidFill>
+                  <a:srgbClr val="1858AB"/>
+                </a:solidFill>
+              </a:defRPr>
+            </a:pPr>
+            <a:r>
+              <a:t>https://www.youtube.com/results?search_query=Model+Context+Protocol+explained</a:t>
+            </a:r>
+          </a:p>
+          <a:p>
+            <a:pPr>
+              <a:spcAft>
+                <a:spcPts val="0"/>
+              </a:spcAft>
+              <a:defRPr sz="1700" b="1">
+                <a:solidFill>
+                  <a:srgbClr val="203458"/>
+                </a:solidFill>
+              </a:defRPr>
+            </a:pPr>
+            <a:r>
+              <a:t>4. Anthropic MCP tutorial</a:t>
+            </a:r>
+          </a:p>
+          <a:p>
+            <a:pPr>
+              <a:spcAft>
+                <a:spcPts val="800"/>
+              </a:spcAft>
+              <a:defRPr sz="1200">
+                <a:solidFill>
+                  <a:srgbClr val="1858AB"/>
+                </a:solidFill>
+              </a:defRPr>
+            </a:pPr>
+            <a:r>
+              <a:t>https://www.youtube.com/results?search_query=Anthropic+MCP+tutorial</a:t>
+            </a:r>
+          </a:p>
+          <a:p>
+            <a:pPr>
+              <a:spcAft>
+                <a:spcPts val="0"/>
+              </a:spcAft>
+              <a:defRPr sz="1700" b="1">
+                <a:solidFill>
+                  <a:srgbClr val="203458"/>
+                </a:solidFill>
+              </a:defRPr>
+            </a:pPr>
+            <a:r>
+              <a:t>5. Jira REST API tutorial</a:t>
+            </a:r>
+          </a:p>
+          <a:p>
+            <a:pPr>
+              <a:spcAft>
+                <a:spcPts val="800"/>
+              </a:spcAft>
+              <a:defRPr sz="1200">
+                <a:solidFill>
+                  <a:srgbClr val="1858AB"/>
+                </a:solidFill>
+              </a:defRPr>
+            </a:pPr>
+            <a:r>
+              <a:t>https://www.youtube.com/results?search_query=Jira+REST+API+tutorial+developers</a:t>
+            </a:r>
+          </a:p>
+          <a:p>
+            <a:pPr>
+              <a:spcAft>
+                <a:spcPts val="0"/>
+              </a:spcAft>
+              <a:defRPr sz="1700" b="1">
+                <a:solidFill>
+                  <a:srgbClr val="203458"/>
+                </a:solidFill>
+              </a:defRPr>
+            </a:pPr>
+            <a:r>
+              <a:t>6. Figma API tutorial</a:t>
+            </a:r>
+          </a:p>
+          <a:p>
+            <a:pPr>
+              <a:spcAft>
+                <a:spcPts val="800"/>
+              </a:spcAft>
+              <a:defRPr sz="1200">
+                <a:solidFill>
+                  <a:srgbClr val="1858AB"/>
+                </a:solidFill>
+              </a:defRPr>
+            </a:pPr>
+            <a:r>
+              <a:t>https://www.youtube.com/results?search_query=Figma+API+tutorial+for+developers</a:t>
+            </a:r>
+          </a:p>
+        </p:txBody>
+      </p:sp>
+      <p:sp>
+        <p:nvSpPr>
+          <p:cNvPr id="5" name="TextBox 4"/>
+          <p:cNvSpPr txBox="1"/>
+          <p:nvPr/>
+        </p:nvSpPr>
+        <p:spPr>
+          <a:xfrm>
+            <a:off x="6172200" y="1417320"/>
+            <a:ext cx="5532120" cy="5257800"/>
+          </a:xfrm>
+          <a:prstGeom prst="rect">
+            <a:avLst/>
+          </a:prstGeom>
+          <a:noFill/>
+        </p:spPr>
+        <p:txBody>
+          <a:bodyPr wrap="square">
+            <a:spAutoFit/>
+          </a:bodyPr>
+          <a:lstStyle/>
+          <a:p>
+            <a:pPr>
+              <a:spcAft>
+                <a:spcPts val="0"/>
+              </a:spcAft>
+              <a:defRPr sz="1700" b="1">
+                <a:solidFill>
+                  <a:srgbClr val="203458"/>
+                </a:solidFill>
+              </a:defRPr>
+            </a:pPr>
+            <a:r>
+              <a:t>7. Bitbucket API tutorial</a:t>
+            </a:r>
+          </a:p>
+          <a:p>
+            <a:pPr>
+              <a:spcAft>
+                <a:spcPts val="800"/>
+              </a:spcAft>
+              <a:defRPr sz="1200">
+                <a:solidFill>
+                  <a:srgbClr val="1858AB"/>
+                </a:solidFill>
+              </a:defRPr>
+            </a:pPr>
+            <a:r>
+              <a:t>https://www.youtube.com/results?search_query=Bitbucket+API+tutorial</a:t>
+            </a:r>
+          </a:p>
+          <a:p>
+            <a:pPr>
+              <a:spcAft>
+                <a:spcPts val="0"/>
+              </a:spcAft>
+              <a:defRPr sz="1700" b="1">
+                <a:solidFill>
+                  <a:srgbClr val="203458"/>
+                </a:solidFill>
+              </a:defRPr>
+            </a:pPr>
+            <a:r>
+              <a:t>8. Prompt engineering for developers</a:t>
+            </a:r>
+          </a:p>
+          <a:p>
+            <a:pPr>
+              <a:spcAft>
+                <a:spcPts val="800"/>
+              </a:spcAft>
+              <a:defRPr sz="1200">
+                <a:solidFill>
+                  <a:srgbClr val="1858AB"/>
+                </a:solidFill>
+              </a:defRPr>
+            </a:pPr>
+            <a:r>
+              <a:t>https://www.youtube.com/results?search_query=Prompt+engineering+for+software+developers</a:t>
+            </a:r>
+          </a:p>
+          <a:p>
+            <a:pPr>
+              <a:spcAft>
+                <a:spcPts val="0"/>
+              </a:spcAft>
+              <a:defRPr sz="1700" b="1">
+                <a:solidFill>
+                  <a:srgbClr val="203458"/>
+                </a:solidFill>
+              </a:defRPr>
+            </a:pPr>
+            <a:r>
+              <a:t>9. AI agent workflow tutorials</a:t>
+            </a:r>
+          </a:p>
+          <a:p>
+            <a:pPr>
+              <a:spcAft>
+                <a:spcPts val="800"/>
+              </a:spcAft>
+              <a:defRPr sz="1200">
+                <a:solidFill>
+                  <a:srgbClr val="1858AB"/>
+                </a:solidFill>
+              </a:defRPr>
+            </a:pPr>
+            <a:r>
+              <a:t>https://www.youtube.com/results?search_query=AI+agent+workflow+tutorial+developers</a:t>
+            </a:r>
+          </a:p>
+          <a:p>
+            <a:pPr>
+              <a:spcAft>
+                <a:spcPts val="0"/>
+              </a:spcAft>
+              <a:defRPr sz="1700" b="1">
+                <a:solidFill>
+                  <a:srgbClr val="203458"/>
+                </a:solidFill>
+              </a:defRPr>
+            </a:pPr>
+            <a:r>
+              <a:t>10. Build MCP server in Python</a:t>
+            </a:r>
+          </a:p>
+          <a:p>
+            <a:pPr>
+              <a:spcAft>
+                <a:spcPts val="800"/>
+              </a:spcAft>
+              <a:defRPr sz="1200">
+                <a:solidFill>
+                  <a:srgbClr val="1858AB"/>
+                </a:solidFill>
+              </a:defRPr>
+            </a:pPr>
+            <a:r>
+              <a:t>https://www.youtube.com/results?search_query=Build+MCP+server+Python+tutorial</a:t>
+            </a:r>
+          </a:p>
+          <a:p>
+            <a:pPr>
+              <a:spcAft>
+                <a:spcPts val="0"/>
+              </a:spcAft>
+              <a:defRPr sz="1700" b="1">
+                <a:solidFill>
+                  <a:srgbClr val="203458"/>
+                </a:solidFill>
+              </a:defRPr>
+            </a:pPr>
+            <a:r>
+              <a:t>11. API token security best practices</a:t>
+            </a:r>
+          </a:p>
+          <a:p>
+            <a:pPr>
+              <a:spcAft>
+                <a:spcPts val="800"/>
+              </a:spcAft>
+              <a:defRPr sz="1200">
+                <a:solidFill>
+                  <a:srgbClr val="1858AB"/>
+                </a:solidFill>
+              </a:defRPr>
+            </a:pPr>
+            <a:r>
+              <a:t>https://www.youtube.com/results?search_query=API+token+security+best+practices</a:t>
+            </a:r>
+          </a:p>
+          <a:p>
+            <a:pPr>
+              <a:spcAft>
+                <a:spcPts val="0"/>
+              </a:spcAft>
+              <a:defRPr sz="1700" b="1">
+                <a:solidFill>
+                  <a:srgbClr val="203458"/>
+                </a:solidFill>
+              </a:defRPr>
+            </a:pPr>
+            <a:r>
+              <a:t>12. LLM governance for enterprise</a:t>
+            </a:r>
+          </a:p>
+          <a:p>
+            <a:pPr>
+              <a:spcAft>
+                <a:spcPts val="800"/>
+              </a:spcAft>
+              <a:defRPr sz="1200">
+                <a:solidFill>
+                  <a:srgbClr val="1858AB"/>
+                </a:solidFill>
+              </a:defRPr>
+            </a:pPr>
+            <a:r>
+              <a:t>https://www.youtube.com/results?search_query=LLM+governance+for+enterprise+teams</a:t>
+            </a:r>
+          </a:p>
+        </p:txBody>
+      </p:sp>
+    </p:spTree>
+  </p:cSld>
+  <p:clrMapOvr>
+    <a:masterClrMapping/>
+  </p:clrMapOvr>
+</p:sld>
+</file>
+
+<file path=ppt/slides/slide16.xml><?xml version="1.0" encoding="utf-8"?>
 <p:sld xmlns:a="http://schemas.openxmlformats.org/drawingml/2006/main" xmlns:p="http://schemas.openxmlformats.org/presentationml/2006/main" xmlns:r="http://schemas.openxmlformats.org/officeDocument/2006/relationships">
   <p:cSld>
     <p:spTree>
